--- a/18-data-visualization/Contenido Semana 1/2.1. Presentación - Fuentes y tipos de datos.pptx
+++ b/18-data-visualization/Contenido Semana 1/2.1. Presentación - Fuentes y tipos de datos.pptx
@@ -16,14 +16,14 @@
   <p:notesSz cx="6858000" cy="9144000"/>
   <p:embeddedFontLst>
     <p:embeddedFont>
-      <p:font typeface="Montserrat" panose="020B0604020202020204" charset="0"/>
+      <p:font typeface="Calibri" panose="020F0502020204030204" pitchFamily="34" charset="0"/>
       <p:regular r:id="rId6"/>
       <p:bold r:id="rId7"/>
       <p:italic r:id="rId8"/>
       <p:boldItalic r:id="rId9"/>
     </p:embeddedFont>
     <p:embeddedFont>
-      <p:font typeface="Calibri" panose="020F0502020204030204" pitchFamily="34" charset="0"/>
+      <p:font typeface="Montserrat" panose="020B0604020202020204" charset="0"/>
       <p:regular r:id="rId10"/>
       <p:bold r:id="rId11"/>
       <p:italic r:id="rId12"/>

--- a/18-data-visualization/Contenido Semana 1/2.1. Presentación - Fuentes y tipos de datos.pptx
+++ b/18-data-visualization/Contenido Semana 1/2.1. Presentación - Fuentes y tipos de datos.pptx
@@ -23,14 +23,14 @@
       <p:boldItalic r:id="rId9"/>
     </p:embeddedFont>
     <p:embeddedFont>
-      <p:font typeface="Montserrat" panose="020B0604020202020204" charset="0"/>
+      <p:font typeface="Raleway" panose="020B0604020202020204" charset="0"/>
       <p:regular r:id="rId10"/>
       <p:bold r:id="rId11"/>
       <p:italic r:id="rId12"/>
       <p:boldItalic r:id="rId13"/>
     </p:embeddedFont>
     <p:embeddedFont>
-      <p:font typeface="Raleway" panose="020B0604020202020204" charset="0"/>
+      <p:font typeface="Montserrat" panose="020B0604020202020204" charset="0"/>
       <p:regular r:id="rId14"/>
       <p:bold r:id="rId15"/>
       <p:italic r:id="rId16"/>
@@ -22422,7 +22422,7 @@
         </p:blipFill>
         <p:spPr>
           <a:xfrm>
-            <a:off x="8026137" y="3368655"/>
+            <a:off x="8138735" y="3024634"/>
             <a:ext cx="596433" cy="596433"/>
           </a:xfrm>
           <a:prstGeom prst="rect">
@@ -22522,7 +22522,7 @@
         </p:blipFill>
         <p:spPr>
           <a:xfrm>
-            <a:off x="7559845" y="4241966"/>
+            <a:off x="7770484" y="3758707"/>
             <a:ext cx="831476" cy="1110020"/>
           </a:xfrm>
           <a:prstGeom prst="rect">
